--- a/기획/IntheGorest_홍수현_김명지_김혜주.pptx
+++ b/기획/IntheGorest_홍수현_김명지_김혜주.pptx
@@ -125,7 +125,7 @@
   </p:defaultTextStyle>
   <p:extLst>
     <p:ext uri="{EFAFB233-063F-42B5-8137-9DF3F51BA10A}">
-      <p15:sldGuideLst xmlns:p15="http://schemas.microsoft.com/office/powerpoint/2012/main">
+      <p15:sldGuideLst xmlns:p15="http://schemas.microsoft.com/office/powerpoint/2012/main" xmlns="">
         <p15:guide id="1" orient="horz" pos="1620">
           <p15:clr>
             <a:srgbClr val="A4A3A4"/>
@@ -7648,14 +7648,14 @@
           <p:nvPr>
             <p:extLst>
               <p:ext uri="{D42A27DB-BD31-4B8C-83A1-F6EECF244321}">
-                <p14:modId xmlns:p14="http://schemas.microsoft.com/office/powerpoint/2010/main" val="735138243"/>
+                <p14:modId xmlns:p14="http://schemas.microsoft.com/office/powerpoint/2010/main" val="1429683320"/>
               </p:ext>
             </p:extLst>
           </p:nvPr>
         </p:nvGraphicFramePr>
         <p:xfrm>
-          <a:off x="1079613" y="1923678"/>
-          <a:ext cx="6984774" cy="2407920"/>
+          <a:off x="1079613" y="1875254"/>
+          <a:ext cx="6984774" cy="3017520"/>
         </p:xfrm>
         <a:graphic>
           <a:graphicData uri="http://schemas.openxmlformats.org/drawingml/2006/table">
@@ -8513,7 +8513,14 @@
                       </a:endParaRPr>
                     </a:p>
                   </a:txBody>
-                  <a:tcPr/>
+                  <a:tcPr>
+                    <a:solidFill>
+                      <a:schemeClr val="accent1">
+                        <a:lumMod val="60000"/>
+                        <a:lumOff val="40000"/>
+                      </a:schemeClr>
+                    </a:solidFill>
+                  </a:tcPr>
                 </a:tc>
                 <a:tc>
                   <a:txBody>
@@ -8660,12 +8667,7 @@
                     </a:p>
                   </a:txBody>
                   <a:tcPr>
-                    <a:solidFill>
-                      <a:schemeClr val="accent1">
-                        <a:lumMod val="60000"/>
-                        <a:lumOff val="40000"/>
-                      </a:schemeClr>
-                    </a:solidFill>
+                    <a:noFill/>
                   </a:tcPr>
                 </a:tc>
                 <a:tc>
@@ -8702,12 +8704,7 @@
                     </a:p>
                   </a:txBody>
                   <a:tcPr>
-                    <a:solidFill>
-                      <a:schemeClr val="accent1">
-                        <a:lumMod val="60000"/>
-                        <a:lumOff val="40000"/>
-                      </a:schemeClr>
-                    </a:solidFill>
+                    <a:noFill/>
                   </a:tcPr>
                 </a:tc>
                 <a:tc>
@@ -8846,7 +8843,368 @@
                       </a:endParaRPr>
                     </a:p>
                   </a:txBody>
-                  <a:tcPr/>
+                  <a:tcPr>
+                    <a:solidFill>
+                      <a:schemeClr val="accent1">
+                        <a:lumMod val="60000"/>
+                        <a:lumOff val="40000"/>
+                      </a:schemeClr>
+                    </a:solidFill>
+                  </a:tcPr>
+                </a:tc>
+                <a:tc>
+                  <a:txBody>
+                    <a:bodyPr/>
+                    <a:lstStyle/>
+                    <a:p>
+                      <a:pPr algn="ctr" latinLnBrk="1"/>
+                      <a:endParaRPr lang="ko-KR" altLang="en-US" sz="1400" b="1" dirty="0">
+                        <a:latin typeface="+mn-ea"/>
+                        <a:ea typeface="+mn-ea"/>
+                      </a:endParaRPr>
+                    </a:p>
+                  </a:txBody>
+                  <a:tcPr>
+                    <a:solidFill>
+                      <a:schemeClr val="accent1">
+                        <a:lumMod val="60000"/>
+                        <a:lumOff val="40000"/>
+                      </a:schemeClr>
+                    </a:solidFill>
+                  </a:tcPr>
+                </a:tc>
+                <a:tc>
+                  <a:txBody>
+                    <a:bodyPr/>
+                    <a:lstStyle/>
+                    <a:p>
+                      <a:pPr algn="ctr" latinLnBrk="1"/>
+                      <a:endParaRPr lang="ko-KR" altLang="en-US" sz="1400" b="1" dirty="0">
+                        <a:latin typeface="+mn-ea"/>
+                        <a:ea typeface="+mn-ea"/>
+                      </a:endParaRPr>
+                    </a:p>
+                  </a:txBody>
+                  <a:tcPr>
+                    <a:noFill/>
+                  </a:tcPr>
+                </a:tc>
+                <a:tc>
+                  <a:txBody>
+                    <a:bodyPr/>
+                    <a:lstStyle/>
+                    <a:p>
+                      <a:pPr algn="ctr" latinLnBrk="1"/>
+                      <a:endParaRPr lang="ko-KR" altLang="en-US" sz="1400" b="1" dirty="0">
+                        <a:latin typeface="+mn-ea"/>
+                        <a:ea typeface="+mn-ea"/>
+                      </a:endParaRPr>
+                    </a:p>
+                  </a:txBody>
+                  <a:tcPr/>
+                </a:tc>
+                <a:tc>
+                  <a:txBody>
+                    <a:bodyPr/>
+                    <a:lstStyle/>
+                    <a:p>
+                      <a:pPr algn="ctr" latinLnBrk="1"/>
+                      <a:endParaRPr lang="ko-KR" altLang="en-US" sz="1400" b="1" dirty="0">
+                        <a:latin typeface="+mn-ea"/>
+                        <a:ea typeface="+mn-ea"/>
+                      </a:endParaRPr>
+                    </a:p>
+                  </a:txBody>
+                  <a:tcPr/>
+                </a:tc>
+                <a:tc>
+                  <a:txBody>
+                    <a:bodyPr/>
+                    <a:lstStyle/>
+                    <a:p>
+                      <a:pPr algn="ctr" latinLnBrk="1"/>
+                      <a:endParaRPr lang="ko-KR" altLang="en-US" sz="1400" b="1" dirty="0">
+                        <a:latin typeface="+mn-ea"/>
+                        <a:ea typeface="+mn-ea"/>
+                      </a:endParaRPr>
+                    </a:p>
+                  </a:txBody>
+                  <a:tcPr/>
+                </a:tc>
+              </a:tr>
+              <a:tr h="240027">
+                <a:tc>
+                  <a:txBody>
+                    <a:bodyPr/>
+                    <a:lstStyle/>
+                    <a:p>
+                      <a:pPr algn="ctr" latinLnBrk="1"/>
+                      <a:r>
+                        <a:rPr lang="ko-KR" altLang="en-US" sz="1200" b="0" dirty="0" smtClean="0">
+                          <a:solidFill>
+                            <a:schemeClr val="tx1">
+                              <a:lumMod val="75000"/>
+                              <a:lumOff val="25000"/>
+                            </a:schemeClr>
+                          </a:solidFill>
+                          <a:latin typeface="+mn-ea"/>
+                          <a:ea typeface="+mn-ea"/>
+                        </a:rPr>
+                        <a:t>게임 기능</a:t>
+                      </a:r>
+                      <a:endParaRPr lang="ko-KR" altLang="en-US" sz="1200" b="0" dirty="0">
+                        <a:solidFill>
+                          <a:schemeClr val="tx1">
+                            <a:lumMod val="75000"/>
+                            <a:lumOff val="25000"/>
+                          </a:schemeClr>
+                        </a:solidFill>
+                        <a:latin typeface="+mn-ea"/>
+                        <a:ea typeface="+mn-ea"/>
+                      </a:endParaRPr>
+                    </a:p>
+                  </a:txBody>
+                  <a:tcPr/>
+                </a:tc>
+                <a:tc>
+                  <a:txBody>
+                    <a:bodyPr/>
+                    <a:lstStyle/>
+                    <a:p>
+                      <a:pPr algn="ctr" latinLnBrk="1"/>
+                      <a:endParaRPr lang="ko-KR" altLang="en-US" sz="1400" b="1" dirty="0">
+                        <a:latin typeface="+mn-ea"/>
+                        <a:ea typeface="+mn-ea"/>
+                      </a:endParaRPr>
+                    </a:p>
+                  </a:txBody>
+                  <a:tcPr/>
+                </a:tc>
+                <a:tc>
+                  <a:txBody>
+                    <a:bodyPr/>
+                    <a:lstStyle/>
+                    <a:p>
+                      <a:pPr algn="ctr" latinLnBrk="1"/>
+                      <a:endParaRPr lang="ko-KR" altLang="en-US" sz="1400" b="1" dirty="0">
+                        <a:latin typeface="+mn-ea"/>
+                        <a:ea typeface="+mn-ea"/>
+                      </a:endParaRPr>
+                    </a:p>
+                  </a:txBody>
+                  <a:tcPr/>
+                </a:tc>
+                <a:tc>
+                  <a:txBody>
+                    <a:bodyPr/>
+                    <a:lstStyle/>
+                    <a:p>
+                      <a:pPr algn="ctr" latinLnBrk="1"/>
+                      <a:endParaRPr lang="ko-KR" altLang="en-US" sz="1400" b="1" dirty="0">
+                        <a:latin typeface="+mn-ea"/>
+                        <a:ea typeface="+mn-ea"/>
+                      </a:endParaRPr>
+                    </a:p>
+                  </a:txBody>
+                  <a:tcPr/>
+                </a:tc>
+                <a:tc>
+                  <a:txBody>
+                    <a:bodyPr/>
+                    <a:lstStyle/>
+                    <a:p>
+                      <a:pPr algn="ctr" latinLnBrk="1"/>
+                      <a:endParaRPr lang="ko-KR" altLang="en-US" sz="1400" b="1" dirty="0">
+                        <a:latin typeface="+mn-ea"/>
+                        <a:ea typeface="+mn-ea"/>
+                      </a:endParaRPr>
+                    </a:p>
+                  </a:txBody>
+                  <a:tcPr>
+                    <a:solidFill>
+                      <a:schemeClr val="accent1">
+                        <a:lumMod val="60000"/>
+                        <a:lumOff val="40000"/>
+                      </a:schemeClr>
+                    </a:solidFill>
+                  </a:tcPr>
+                </a:tc>
+                <a:tc>
+                  <a:txBody>
+                    <a:bodyPr/>
+                    <a:lstStyle/>
+                    <a:p>
+                      <a:pPr algn="ctr" latinLnBrk="1"/>
+                      <a:endParaRPr lang="ko-KR" altLang="en-US" sz="1400" b="1" dirty="0">
+                        <a:latin typeface="+mn-ea"/>
+                        <a:ea typeface="+mn-ea"/>
+                      </a:endParaRPr>
+                    </a:p>
+                  </a:txBody>
+                  <a:tcPr>
+                    <a:solidFill>
+                      <a:schemeClr val="accent1">
+                        <a:lumMod val="60000"/>
+                        <a:lumOff val="40000"/>
+                      </a:schemeClr>
+                    </a:solidFill>
+                  </a:tcPr>
+                </a:tc>
+                <a:tc>
+                  <a:txBody>
+                    <a:bodyPr/>
+                    <a:lstStyle/>
+                    <a:p>
+                      <a:pPr algn="ctr" latinLnBrk="1"/>
+                      <a:endParaRPr lang="ko-KR" altLang="en-US" sz="1400" b="1" dirty="0">
+                        <a:latin typeface="+mn-ea"/>
+                        <a:ea typeface="+mn-ea"/>
+                      </a:endParaRPr>
+                    </a:p>
+                  </a:txBody>
+                  <a:tcPr>
+                    <a:noFill/>
+                  </a:tcPr>
+                </a:tc>
+                <a:tc>
+                  <a:txBody>
+                    <a:bodyPr/>
+                    <a:lstStyle/>
+                    <a:p>
+                      <a:pPr algn="ctr" latinLnBrk="1"/>
+                      <a:endParaRPr lang="ko-KR" altLang="en-US" sz="1400" b="1" dirty="0">
+                        <a:latin typeface="+mn-ea"/>
+                        <a:ea typeface="+mn-ea"/>
+                      </a:endParaRPr>
+                    </a:p>
+                  </a:txBody>
+                  <a:tcPr/>
+                </a:tc>
+                <a:tc>
+                  <a:txBody>
+                    <a:bodyPr/>
+                    <a:lstStyle/>
+                    <a:p>
+                      <a:pPr algn="ctr" latinLnBrk="1"/>
+                      <a:endParaRPr lang="ko-KR" altLang="en-US" sz="1400" b="1" dirty="0">
+                        <a:latin typeface="+mn-ea"/>
+                        <a:ea typeface="+mn-ea"/>
+                      </a:endParaRPr>
+                    </a:p>
+                  </a:txBody>
+                  <a:tcPr/>
+                </a:tc>
+                <a:tc>
+                  <a:txBody>
+                    <a:bodyPr/>
+                    <a:lstStyle/>
+                    <a:p>
+                      <a:pPr algn="ctr" latinLnBrk="1"/>
+                      <a:endParaRPr lang="ko-KR" altLang="en-US" sz="1400" b="1" dirty="0">
+                        <a:latin typeface="+mn-ea"/>
+                        <a:ea typeface="+mn-ea"/>
+                      </a:endParaRPr>
+                    </a:p>
+                  </a:txBody>
+                  <a:tcPr/>
+                </a:tc>
+              </a:tr>
+              <a:tr h="240027">
+                <a:tc>
+                  <a:txBody>
+                    <a:bodyPr/>
+                    <a:lstStyle/>
+                    <a:p>
+                      <a:pPr algn="ctr" latinLnBrk="1"/>
+                      <a:r>
+                        <a:rPr lang="ko-KR" altLang="en-US" sz="1200" b="0" dirty="0" smtClean="0">
+                          <a:solidFill>
+                            <a:schemeClr val="tx1">
+                              <a:lumMod val="75000"/>
+                              <a:lumOff val="25000"/>
+                            </a:schemeClr>
+                          </a:solidFill>
+                          <a:latin typeface="+mn-ea"/>
+                          <a:ea typeface="+mn-ea"/>
+                        </a:rPr>
+                        <a:t>서버와 연동</a:t>
+                      </a:r>
+                      <a:endParaRPr lang="ko-KR" altLang="en-US" sz="1200" b="0" dirty="0">
+                        <a:solidFill>
+                          <a:schemeClr val="tx1">
+                            <a:lumMod val="75000"/>
+                            <a:lumOff val="25000"/>
+                          </a:schemeClr>
+                        </a:solidFill>
+                        <a:latin typeface="+mn-ea"/>
+                        <a:ea typeface="+mn-ea"/>
+                      </a:endParaRPr>
+                    </a:p>
+                  </a:txBody>
+                  <a:tcPr/>
+                </a:tc>
+                <a:tc>
+                  <a:txBody>
+                    <a:bodyPr/>
+                    <a:lstStyle/>
+                    <a:p>
+                      <a:pPr algn="ctr" latinLnBrk="1"/>
+                      <a:endParaRPr lang="ko-KR" altLang="en-US" sz="1400" b="1" dirty="0">
+                        <a:latin typeface="+mn-ea"/>
+                        <a:ea typeface="+mn-ea"/>
+                      </a:endParaRPr>
+                    </a:p>
+                  </a:txBody>
+                  <a:tcPr/>
+                </a:tc>
+                <a:tc>
+                  <a:txBody>
+                    <a:bodyPr/>
+                    <a:lstStyle/>
+                    <a:p>
+                      <a:pPr algn="ctr" latinLnBrk="1"/>
+                      <a:endParaRPr lang="ko-KR" altLang="en-US" sz="1400" b="1" dirty="0">
+                        <a:latin typeface="+mn-ea"/>
+                        <a:ea typeface="+mn-ea"/>
+                      </a:endParaRPr>
+                    </a:p>
+                  </a:txBody>
+                  <a:tcPr/>
+                </a:tc>
+                <a:tc>
+                  <a:txBody>
+                    <a:bodyPr/>
+                    <a:lstStyle/>
+                    <a:p>
+                      <a:pPr algn="ctr" latinLnBrk="1"/>
+                      <a:endParaRPr lang="ko-KR" altLang="en-US" sz="1400" b="1" dirty="0">
+                        <a:latin typeface="+mn-ea"/>
+                        <a:ea typeface="+mn-ea"/>
+                      </a:endParaRPr>
+                    </a:p>
+                  </a:txBody>
+                  <a:tcPr/>
+                </a:tc>
+                <a:tc>
+                  <a:txBody>
+                    <a:bodyPr/>
+                    <a:lstStyle/>
+                    <a:p>
+                      <a:pPr algn="ctr" latinLnBrk="1"/>
+                      <a:endParaRPr lang="ko-KR" altLang="en-US" sz="1400" b="1" dirty="0">
+                        <a:latin typeface="+mn-ea"/>
+                        <a:ea typeface="+mn-ea"/>
+                      </a:endParaRPr>
+                    </a:p>
+                  </a:txBody>
+                  <a:tcPr>
+                    <a:solidFill>
+                      <a:schemeClr val="accent1">
+                        <a:lumMod val="60000"/>
+                        <a:lumOff val="40000"/>
+                      </a:schemeClr>
+                    </a:solidFill>
+                  </a:tcPr>
                 </a:tc>
                 <a:tc>
                   <a:txBody>
@@ -9462,14 +9820,14 @@
           <p:nvPr>
             <p:extLst>
               <p:ext uri="{D42A27DB-BD31-4B8C-83A1-F6EECF244321}">
-                <p14:modId xmlns:p14="http://schemas.microsoft.com/office/powerpoint/2010/main" val="3539273432"/>
+                <p14:modId xmlns:p14="http://schemas.microsoft.com/office/powerpoint/2010/main" val="3656523553"/>
               </p:ext>
             </p:extLst>
           </p:nvPr>
         </p:nvGraphicFramePr>
         <p:xfrm>
           <a:off x="1079613" y="1923678"/>
-          <a:ext cx="6984774" cy="2764622"/>
+          <a:ext cx="6984774" cy="2353446"/>
         </p:xfrm>
         <a:graphic>
           <a:graphicData uri="http://schemas.openxmlformats.org/drawingml/2006/table">
@@ -9727,7 +10085,7 @@
                   <a:tcPr/>
                 </a:tc>
               </a:tr>
-              <a:tr h="365258">
+              <a:tr h="319340">
                 <a:tc>
                   <a:txBody>
                     <a:bodyPr/>
@@ -9886,7 +10244,7 @@
                   <a:tcPr/>
                 </a:tc>
               </a:tr>
-              <a:tr h="365258">
+              <a:tr h="288032">
                 <a:tc>
                   <a:txBody>
                     <a:bodyPr/>
@@ -10075,6 +10433,14 @@
                         <a:rPr lang="ko-KR" altLang="en-US" sz="1200" dirty="0" err="1" smtClean="0"/>
                         <a:t>파싱</a:t>
                       </a:r>
+                      <a:r>
+                        <a:rPr lang="en-US" altLang="ko-KR" sz="1200" dirty="0" smtClean="0"/>
+                        <a:t>&amp;</a:t>
+                      </a:r>
+                      <a:r>
+                        <a:rPr lang="ko-KR" altLang="en-US" sz="1200" dirty="0" smtClean="0"/>
+                        <a:t>애니메이션</a:t>
+                      </a:r>
                       <a:endParaRPr lang="ko-KR" altLang="en-US" sz="1200" b="1" dirty="0">
                         <a:solidFill>
                           <a:schemeClr val="tx1">
@@ -10082,20 +10448,6 @@
                             <a:lumOff val="25000"/>
                           </a:schemeClr>
                         </a:solidFill>
-                        <a:latin typeface="+mn-ea"/>
-                        <a:ea typeface="+mn-ea"/>
-                      </a:endParaRPr>
-                    </a:p>
-                  </a:txBody>
-                  <a:tcPr/>
-                </a:tc>
-                <a:tc>
-                  <a:txBody>
-                    <a:bodyPr/>
-                    <a:lstStyle/>
-                    <a:p>
-                      <a:pPr algn="ctr" latinLnBrk="1"/>
-                      <a:endParaRPr lang="ko-KR" altLang="en-US" sz="1400" b="1" dirty="0">
                         <a:latin typeface="+mn-ea"/>
                         <a:ea typeface="+mn-ea"/>
                       </a:endParaRPr>
@@ -10157,7 +10509,41 @@
                       </a:endParaRPr>
                     </a:p>
                   </a:txBody>
-                  <a:tcPr/>
+                  <a:tcPr>
+                    <a:solidFill>
+                      <a:schemeClr val="accent1">
+                        <a:lumMod val="60000"/>
+                        <a:lumOff val="40000"/>
+                      </a:schemeClr>
+                    </a:solidFill>
+                  </a:tcPr>
+                </a:tc>
+                <a:tc>
+                  <a:txBody>
+                    <a:bodyPr/>
+                    <a:lstStyle/>
+                    <a:p>
+                      <a:pPr algn="ctr" latinLnBrk="1"/>
+                      <a:endParaRPr lang="ko-KR" altLang="en-US" sz="1400" b="1" dirty="0">
+                        <a:solidFill>
+                          <a:schemeClr val="accent1">
+                            <a:lumMod val="40000"/>
+                            <a:lumOff val="60000"/>
+                          </a:schemeClr>
+                        </a:solidFill>
+                        <a:latin typeface="+mn-ea"/>
+                        <a:ea typeface="+mn-ea"/>
+                      </a:endParaRPr>
+                    </a:p>
+                  </a:txBody>
+                  <a:tcPr>
+                    <a:solidFill>
+                      <a:schemeClr val="accent1">
+                        <a:lumMod val="60000"/>
+                        <a:lumOff val="40000"/>
+                      </a:schemeClr>
+                    </a:solidFill>
+                  </a:tcPr>
                 </a:tc>
                 <a:tc>
                   <a:txBody>
@@ -10297,10 +10683,7 @@
                   </a:txBody>
                   <a:tcPr>
                     <a:solidFill>
-                      <a:schemeClr val="accent1">
-                        <a:lumMod val="60000"/>
-                        <a:lumOff val="40000"/>
-                      </a:schemeClr>
+                      <a:schemeClr val="bg1"/>
                     </a:solidFill>
                   </a:tcPr>
                 </a:tc>
@@ -10358,21 +10741,32 @@
                       </a:endParaRPr>
                     </a:p>
                   </a:txBody>
-                  <a:tcPr/>
-                </a:tc>
-                <a:tc>
-                  <a:txBody>
-                    <a:bodyPr/>
-                    <a:lstStyle/>
-                    <a:p>
-                      <a:pPr algn="ctr" latinLnBrk="1"/>
-                      <a:endParaRPr lang="ko-KR" altLang="en-US" sz="1400" b="1" dirty="0">
-                        <a:latin typeface="+mn-ea"/>
-                        <a:ea typeface="+mn-ea"/>
-                      </a:endParaRPr>
-                    </a:p>
-                  </a:txBody>
-                  <a:tcPr/>
+                  <a:tcPr>
+                    <a:solidFill>
+                      <a:schemeClr val="accent1">
+                        <a:lumMod val="60000"/>
+                        <a:lumOff val="40000"/>
+                      </a:schemeClr>
+                    </a:solidFill>
+                  </a:tcPr>
+                </a:tc>
+                <a:tc>
+                  <a:txBody>
+                    <a:bodyPr/>
+                    <a:lstStyle/>
+                    <a:p>
+                      <a:pPr algn="ctr" latinLnBrk="1"/>
+                      <a:endParaRPr lang="ko-KR" altLang="en-US" sz="1400" b="1" dirty="0">
+                        <a:latin typeface="+mn-ea"/>
+                        <a:ea typeface="+mn-ea"/>
+                      </a:endParaRPr>
+                    </a:p>
+                  </a:txBody>
+                  <a:tcPr>
+                    <a:solidFill>
+                      <a:schemeClr val="bg1"/>
+                    </a:solidFill>
+                  </a:tcPr>
                 </a:tc>
                 <a:tc>
                   <a:txBody>
@@ -10553,190 +10947,6 @@
                     </a:p>
                   </a:txBody>
                   <a:tcPr/>
-                </a:tc>
-                <a:tc>
-                  <a:txBody>
-                    <a:bodyPr/>
-                    <a:lstStyle/>
-                    <a:p>
-                      <a:pPr algn="ctr" latinLnBrk="1"/>
-                      <a:endParaRPr lang="ko-KR" altLang="en-US" sz="1400" b="1" dirty="0">
-                        <a:latin typeface="+mn-ea"/>
-                        <a:ea typeface="+mn-ea"/>
-                      </a:endParaRPr>
-                    </a:p>
-                  </a:txBody>
-                  <a:tcPr/>
-                </a:tc>
-              </a:tr>
-              <a:tr h="182629">
-                <a:tc>
-                  <a:txBody>
-                    <a:bodyPr/>
-                    <a:lstStyle/>
-                    <a:p>
-                      <a:pPr algn="ctr" latinLnBrk="1"/>
-                      <a:r>
-                        <a:rPr lang="ko-KR" altLang="en-US" sz="1200" b="1" dirty="0" smtClean="0">
-                          <a:solidFill>
-                            <a:schemeClr val="tx1">
-                              <a:lumMod val="75000"/>
-                              <a:lumOff val="25000"/>
-                            </a:schemeClr>
-                          </a:solidFill>
-                          <a:latin typeface="+mn-ea"/>
-                          <a:ea typeface="+mn-ea"/>
-                        </a:rPr>
-                        <a:t>애니메이션</a:t>
-                      </a:r>
-                      <a:endParaRPr lang="ko-KR" altLang="en-US" sz="1200" b="1" dirty="0">
-                        <a:solidFill>
-                          <a:schemeClr val="tx1">
-                            <a:lumMod val="75000"/>
-                            <a:lumOff val="25000"/>
-                          </a:schemeClr>
-                        </a:solidFill>
-                        <a:latin typeface="+mn-ea"/>
-                        <a:ea typeface="+mn-ea"/>
-                      </a:endParaRPr>
-                    </a:p>
-                  </a:txBody>
-                  <a:tcPr/>
-                </a:tc>
-                <a:tc>
-                  <a:txBody>
-                    <a:bodyPr/>
-                    <a:lstStyle/>
-                    <a:p>
-                      <a:pPr algn="ctr" latinLnBrk="1"/>
-                      <a:endParaRPr lang="ko-KR" altLang="en-US" sz="1400" b="1" dirty="0">
-                        <a:latin typeface="+mn-ea"/>
-                        <a:ea typeface="+mn-ea"/>
-                      </a:endParaRPr>
-                    </a:p>
-                  </a:txBody>
-                  <a:tcPr/>
-                </a:tc>
-                <a:tc>
-                  <a:txBody>
-                    <a:bodyPr/>
-                    <a:lstStyle/>
-                    <a:p>
-                      <a:pPr algn="ctr" latinLnBrk="1"/>
-                      <a:endParaRPr lang="ko-KR" altLang="en-US" sz="1400" b="1" dirty="0">
-                        <a:latin typeface="+mn-ea"/>
-                        <a:ea typeface="+mn-ea"/>
-                      </a:endParaRPr>
-                    </a:p>
-                  </a:txBody>
-                  <a:tcPr/>
-                </a:tc>
-                <a:tc>
-                  <a:txBody>
-                    <a:bodyPr/>
-                    <a:lstStyle/>
-                    <a:p>
-                      <a:pPr algn="ctr" latinLnBrk="1"/>
-                      <a:endParaRPr lang="ko-KR" altLang="en-US" sz="1400" b="1" dirty="0">
-                        <a:latin typeface="+mn-ea"/>
-                        <a:ea typeface="+mn-ea"/>
-                      </a:endParaRPr>
-                    </a:p>
-                  </a:txBody>
-                  <a:tcPr/>
-                </a:tc>
-                <a:tc>
-                  <a:txBody>
-                    <a:bodyPr/>
-                    <a:lstStyle/>
-                    <a:p>
-                      <a:pPr algn="ctr" latinLnBrk="1"/>
-                      <a:endParaRPr lang="ko-KR" altLang="en-US" sz="1400" b="1" dirty="0">
-                        <a:latin typeface="+mn-ea"/>
-                        <a:ea typeface="+mn-ea"/>
-                      </a:endParaRPr>
-                    </a:p>
-                  </a:txBody>
-                  <a:tcPr/>
-                </a:tc>
-                <a:tc>
-                  <a:txBody>
-                    <a:bodyPr/>
-                    <a:lstStyle/>
-                    <a:p>
-                      <a:pPr algn="ctr" latinLnBrk="1"/>
-                      <a:endParaRPr lang="ko-KR" altLang="en-US" sz="1400" b="1" dirty="0">
-                        <a:latin typeface="+mn-ea"/>
-                        <a:ea typeface="+mn-ea"/>
-                      </a:endParaRPr>
-                    </a:p>
-                  </a:txBody>
-                  <a:tcPr>
-                    <a:noFill/>
-                  </a:tcPr>
-                </a:tc>
-                <a:tc>
-                  <a:txBody>
-                    <a:bodyPr/>
-                    <a:lstStyle/>
-                    <a:p>
-                      <a:pPr algn="ctr" latinLnBrk="1"/>
-                      <a:endParaRPr lang="ko-KR" altLang="en-US" sz="1400" b="1" dirty="0">
-                        <a:latin typeface="+mn-ea"/>
-                        <a:ea typeface="+mn-ea"/>
-                      </a:endParaRPr>
-                    </a:p>
-                  </a:txBody>
-                  <a:tcPr>
-                    <a:solidFill>
-                      <a:schemeClr val="accent1">
-                        <a:lumMod val="60000"/>
-                        <a:lumOff val="40000"/>
-                      </a:schemeClr>
-                    </a:solidFill>
-                  </a:tcPr>
-                </a:tc>
-                <a:tc>
-                  <a:txBody>
-                    <a:bodyPr/>
-                    <a:lstStyle/>
-                    <a:p>
-                      <a:pPr algn="ctr" latinLnBrk="1"/>
-                      <a:endParaRPr lang="ko-KR" altLang="en-US" sz="1400" b="1" dirty="0">
-                        <a:latin typeface="+mn-ea"/>
-                        <a:ea typeface="+mn-ea"/>
-                      </a:endParaRPr>
-                    </a:p>
-                  </a:txBody>
-                  <a:tcPr>
-                    <a:solidFill>
-                      <a:schemeClr val="accent1">
-                        <a:lumMod val="60000"/>
-                        <a:lumOff val="40000"/>
-                      </a:schemeClr>
-                    </a:solidFill>
-                  </a:tcPr>
-                </a:tc>
-                <a:tc>
-                  <a:txBody>
-                    <a:bodyPr/>
-                    <a:lstStyle/>
-                    <a:p>
-                      <a:pPr algn="ctr" latinLnBrk="1"/>
-                      <a:endParaRPr lang="ko-KR" altLang="en-US" sz="1400" b="1" dirty="0">
-                        <a:latin typeface="+mn-ea"/>
-                        <a:ea typeface="+mn-ea"/>
-                      </a:endParaRPr>
-                    </a:p>
-                  </a:txBody>
-                  <a:tcPr>
-                    <a:solidFill>
-                      <a:schemeClr val="accent1">
-                        <a:lumMod val="60000"/>
-                        <a:lumOff val="40000"/>
-                      </a:schemeClr>
-                    </a:solidFill>
-                  </a:tcPr>
                 </a:tc>
                 <a:tc>
                   <a:txBody>
@@ -18374,7 +18584,7 @@
     </a:clrScheme>
     <a:fontScheme name="Office">
       <a:majorFont>
-        <a:latin typeface="맑은 고딕" panose="020F0302020204030204"/>
+        <a:latin typeface="맑은 고딕"/>
         <a:ea typeface=""/>
         <a:cs typeface=""/>
         <a:font script="Jpan" typeface="ＭＳ Ｐゴシック"/>
@@ -18409,7 +18619,7 @@
         <a:font script="Geor" typeface="Sylfaen"/>
       </a:majorFont>
       <a:minorFont>
-        <a:latin typeface="맑은 고딕" panose="020F0502020204030204"/>
+        <a:latin typeface="맑은 고딕"/>
         <a:ea typeface=""/>
         <a:cs typeface=""/>
         <a:font script="Jpan" typeface="ＭＳ Ｐゴシック"/>
@@ -18586,7 +18796,7 @@
   <a:extraClrSchemeLst/>
   <a:extLst>
     <a:ext uri="{05A4C25C-085E-4340-85A3-A5531E510DB2}">
-      <thm15:themeFamily xmlns:thm15="http://schemas.microsoft.com/office/thememl/2012/main" name="Office Theme" id="{62F939B6-93AF-4DB8-9C6B-D6C7DFDC589F}" vid="{4A3C46E8-61CC-4603-A589-7422A47A8E4A}"/>
+      <thm15:themeFamily xmlns:thm15="http://schemas.microsoft.com/office/thememl/2012/main" xmlns="" name="Office Theme" id="{62F939B6-93AF-4DB8-9C6B-D6C7DFDC589F}" vid="{4A3C46E8-61CC-4603-A589-7422A47A8E4A}"/>
     </a:ext>
   </a:extLst>
 </a:theme>
